--- a/Чекасин 344 Чексин 344 диплом.pptx
+++ b/Чекасин 344 Чексин 344 диплом.pptx
@@ -209,7 +209,7 @@
           <a:p>
             <a:fld id="{E1FF88E8-E8A5-45DB-80FD-7904A2F1DDF9}" type="datetimeFigureOut">
               <a:rPr lang="ru-RU" smtClean="0"/>
-              <a:t>22.04.2025</a:t>
+              <a:t>16.06.2025</a:t>
             </a:fld>
             <a:endParaRPr lang="ru-RU"/>
           </a:p>
@@ -740,9 +740,9 @@
           <a:bodyPr/>
           <a:lstStyle/>
           <a:p>
-            <a:fld id="{B4C71EC6-210F-42DE-9C53-41977AD35B3D}" type="datetimeFigureOut">
-              <a:rPr lang="ru-RU" smtClean="0"/>
-              <a:t>22.04.2025</a:t>
+            <a:fld id="{6A55281C-9FD4-496C-B439-6DB48338F975}" type="datetime1">
+              <a:rPr lang="ru-RU" smtClean="0"/>
+              <a:t>16.06.2025</a:t>
             </a:fld>
             <a:endParaRPr lang="ru-RU"/>
           </a:p>
@@ -910,9 +910,9 @@
           <a:bodyPr/>
           <a:lstStyle/>
           <a:p>
-            <a:fld id="{B4C71EC6-210F-42DE-9C53-41977AD35B3D}" type="datetimeFigureOut">
-              <a:rPr lang="ru-RU" smtClean="0"/>
-              <a:t>22.04.2025</a:t>
+            <a:fld id="{B3A9BF4A-5F9E-4E27-9F4E-24C765423418}" type="datetime1">
+              <a:rPr lang="ru-RU" smtClean="0"/>
+              <a:t>16.06.2025</a:t>
             </a:fld>
             <a:endParaRPr lang="ru-RU"/>
           </a:p>
@@ -1090,9 +1090,9 @@
           <a:bodyPr/>
           <a:lstStyle/>
           <a:p>
-            <a:fld id="{B4C71EC6-210F-42DE-9C53-41977AD35B3D}" type="datetimeFigureOut">
-              <a:rPr lang="ru-RU" smtClean="0"/>
-              <a:t>22.04.2025</a:t>
+            <a:fld id="{46BDDCDF-8D3C-4923-83F6-8162F586C556}" type="datetime1">
+              <a:rPr lang="ru-RU" smtClean="0"/>
+              <a:t>16.06.2025</a:t>
             </a:fld>
             <a:endParaRPr lang="ru-RU"/>
           </a:p>
@@ -1260,9 +1260,9 @@
           <a:bodyPr/>
           <a:lstStyle/>
           <a:p>
-            <a:fld id="{B4C71EC6-210F-42DE-9C53-41977AD35B3D}" type="datetimeFigureOut">
-              <a:rPr lang="ru-RU" smtClean="0"/>
-              <a:t>22.04.2025</a:t>
+            <a:fld id="{BFEFDD9B-24EB-4B3F-9DAC-E22F94F944E4}" type="datetime1">
+              <a:rPr lang="ru-RU" smtClean="0"/>
+              <a:t>16.06.2025</a:t>
             </a:fld>
             <a:endParaRPr lang="ru-RU"/>
           </a:p>
@@ -1506,9 +1506,9 @@
           <a:bodyPr/>
           <a:lstStyle/>
           <a:p>
-            <a:fld id="{B4C71EC6-210F-42DE-9C53-41977AD35B3D}" type="datetimeFigureOut">
-              <a:rPr lang="ru-RU" smtClean="0"/>
-              <a:t>22.04.2025</a:t>
+            <a:fld id="{DB820DA2-C120-4AF0-9F9C-6542BCFBFBB5}" type="datetime1">
+              <a:rPr lang="ru-RU" smtClean="0"/>
+              <a:t>16.06.2025</a:t>
             </a:fld>
             <a:endParaRPr lang="ru-RU"/>
           </a:p>
@@ -1794,9 +1794,9 @@
           <a:bodyPr/>
           <a:lstStyle/>
           <a:p>
-            <a:fld id="{B4C71EC6-210F-42DE-9C53-41977AD35B3D}" type="datetimeFigureOut">
-              <a:rPr lang="ru-RU" smtClean="0"/>
-              <a:t>22.04.2025</a:t>
+            <a:fld id="{D9FD15F3-0A0C-4464-9D99-9FE302023F95}" type="datetime1">
+              <a:rPr lang="ru-RU" smtClean="0"/>
+              <a:t>16.06.2025</a:t>
             </a:fld>
             <a:endParaRPr lang="ru-RU"/>
           </a:p>
@@ -2216,9 +2216,9 @@
           <a:bodyPr/>
           <a:lstStyle/>
           <a:p>
-            <a:fld id="{B4C71EC6-210F-42DE-9C53-41977AD35B3D}" type="datetimeFigureOut">
-              <a:rPr lang="ru-RU" smtClean="0"/>
-              <a:t>22.04.2025</a:t>
+            <a:fld id="{0AC1EFB5-73A4-440C-9E67-02B79A28FE2D}" type="datetime1">
+              <a:rPr lang="ru-RU" smtClean="0"/>
+              <a:t>16.06.2025</a:t>
             </a:fld>
             <a:endParaRPr lang="ru-RU"/>
           </a:p>
@@ -2334,9 +2334,9 @@
           <a:bodyPr/>
           <a:lstStyle/>
           <a:p>
-            <a:fld id="{B4C71EC6-210F-42DE-9C53-41977AD35B3D}" type="datetimeFigureOut">
-              <a:rPr lang="ru-RU" smtClean="0"/>
-              <a:t>22.04.2025</a:t>
+            <a:fld id="{72EB45B9-27BA-4265-BC6D-CCBE3375A10B}" type="datetime1">
+              <a:rPr lang="ru-RU" smtClean="0"/>
+              <a:t>16.06.2025</a:t>
             </a:fld>
             <a:endParaRPr lang="ru-RU"/>
           </a:p>
@@ -2429,9 +2429,9 @@
           <a:bodyPr/>
           <a:lstStyle/>
           <a:p>
-            <a:fld id="{B4C71EC6-210F-42DE-9C53-41977AD35B3D}" type="datetimeFigureOut">
-              <a:rPr lang="ru-RU" smtClean="0"/>
-              <a:t>22.04.2025</a:t>
+            <a:fld id="{ED636A19-0D43-4EC9-98DF-0E442F7D5EA0}" type="datetime1">
+              <a:rPr lang="ru-RU" smtClean="0"/>
+              <a:t>16.06.2025</a:t>
             </a:fld>
             <a:endParaRPr lang="ru-RU"/>
           </a:p>
@@ -2706,9 +2706,9 @@
           <a:bodyPr/>
           <a:lstStyle/>
           <a:p>
-            <a:fld id="{B4C71EC6-210F-42DE-9C53-41977AD35B3D}" type="datetimeFigureOut">
-              <a:rPr lang="ru-RU" smtClean="0"/>
-              <a:t>22.04.2025</a:t>
+            <a:fld id="{A594A4CC-7D39-4196-94AC-56D2D4F3CDB8}" type="datetime1">
+              <a:rPr lang="ru-RU" smtClean="0"/>
+              <a:t>16.06.2025</a:t>
             </a:fld>
             <a:endParaRPr lang="ru-RU"/>
           </a:p>
@@ -2959,9 +2959,9 @@
           <a:bodyPr/>
           <a:lstStyle/>
           <a:p>
-            <a:fld id="{B4C71EC6-210F-42DE-9C53-41977AD35B3D}" type="datetimeFigureOut">
-              <a:rPr lang="ru-RU" smtClean="0"/>
-              <a:t>22.04.2025</a:t>
+            <a:fld id="{B9819EE8-A595-4332-99E2-E4D2C9EB4F78}" type="datetime1">
+              <a:rPr lang="ru-RU" smtClean="0"/>
+              <a:t>16.06.2025</a:t>
             </a:fld>
             <a:endParaRPr lang="ru-RU"/>
           </a:p>
@@ -3172,9 +3172,9 @@
             </a:lvl1pPr>
           </a:lstStyle>
           <a:p>
-            <a:fld id="{B4C71EC6-210F-42DE-9C53-41977AD35B3D}" type="datetimeFigureOut">
-              <a:rPr lang="ru-RU" smtClean="0"/>
-              <a:t>22.04.2025</a:t>
+            <a:fld id="{37E0A48B-B598-4FD1-85F3-07770572BB11}" type="datetime1">
+              <a:rPr lang="ru-RU" smtClean="0"/>
+              <a:t>16.06.2025</a:t>
             </a:fld>
             <a:endParaRPr lang="ru-RU"/>
           </a:p>
@@ -3279,6 +3279,7 @@
     <p:sldLayoutId id="2147483670" r:id="rId10"/>
     <p:sldLayoutId id="2147483671" r:id="rId11"/>
   </p:sldLayoutIdLst>
+  <p:hf hdr="0" ftr="0" dt="0"/>
   <p:txStyles>
     <p:titleStyle>
       <a:lvl1pPr algn="ctr" defTabSz="914400" rtl="0" eaLnBrk="1" latinLnBrk="0" hangingPunct="1">
@@ -3844,6 +3845,29 @@
           </a:p>
         </p:txBody>
       </p:sp>
+      <p:sp>
+        <p:nvSpPr>
+          <p:cNvPr id="3" name="Номер слайда 2"/>
+          <p:cNvSpPr>
+            <a:spLocks noGrp="1"/>
+          </p:cNvSpPr>
+          <p:nvPr>
+            <p:ph type="sldNum" sz="quarter" idx="12"/>
+          </p:nvPr>
+        </p:nvSpPr>
+        <p:spPr/>
+        <p:txBody>
+          <a:bodyPr/>
+          <a:lstStyle/>
+          <a:p>
+            <a:fld id="{B19B0651-EE4F-4900-A07F-96A6BFA9D0F0}" type="slidenum">
+              <a:rPr lang="ru-RU" smtClean="0"/>
+              <a:t>1</a:t>
+            </a:fld>
+            <a:endParaRPr lang="ru-RU"/>
+          </a:p>
+        </p:txBody>
+      </p:sp>
     </p:spTree>
     <p:extLst>
       <p:ext uri="{BB962C8B-B14F-4D97-AF65-F5344CB8AC3E}">
@@ -3951,6 +3975,29 @@
           </a:ln>
         </p:spPr>
       </p:pic>
+      <p:sp>
+        <p:nvSpPr>
+          <p:cNvPr id="3" name="Номер слайда 2"/>
+          <p:cNvSpPr>
+            <a:spLocks noGrp="1"/>
+          </p:cNvSpPr>
+          <p:nvPr>
+            <p:ph type="sldNum" sz="quarter" idx="12"/>
+          </p:nvPr>
+        </p:nvSpPr>
+        <p:spPr/>
+        <p:txBody>
+          <a:bodyPr/>
+          <a:lstStyle/>
+          <a:p>
+            <a:fld id="{B19B0651-EE4F-4900-A07F-96A6BFA9D0F0}" type="slidenum">
+              <a:rPr lang="ru-RU" smtClean="0"/>
+              <a:t>10</a:t>
+            </a:fld>
+            <a:endParaRPr lang="ru-RU"/>
+          </a:p>
+        </p:txBody>
+      </p:sp>
     </p:spTree>
     <p:extLst>
       <p:ext uri="{BB962C8B-B14F-4D97-AF65-F5344CB8AC3E}">
@@ -4051,6 +4098,29 @@
           </a:ln>
         </p:spPr>
       </p:pic>
+      <p:sp>
+        <p:nvSpPr>
+          <p:cNvPr id="3" name="Номер слайда 2"/>
+          <p:cNvSpPr>
+            <a:spLocks noGrp="1"/>
+          </p:cNvSpPr>
+          <p:nvPr>
+            <p:ph type="sldNum" sz="quarter" idx="12"/>
+          </p:nvPr>
+        </p:nvSpPr>
+        <p:spPr/>
+        <p:txBody>
+          <a:bodyPr/>
+          <a:lstStyle/>
+          <a:p>
+            <a:fld id="{B19B0651-EE4F-4900-A07F-96A6BFA9D0F0}" type="slidenum">
+              <a:rPr lang="ru-RU" smtClean="0"/>
+              <a:t>11</a:t>
+            </a:fld>
+            <a:endParaRPr lang="ru-RU"/>
+          </a:p>
+        </p:txBody>
+      </p:sp>
     </p:spTree>
     <p:extLst>
       <p:ext uri="{BB962C8B-B14F-4D97-AF65-F5344CB8AC3E}">
@@ -4198,12 +4268,29 @@
               </a:rPr>
               <a:t>54,052.45 рублей.</a:t>
             </a:r>
-            <a:endParaRPr lang="ru-RU" sz="2000" b="1" dirty="0">
-              <a:latin typeface="Times New Roman" panose="02020603050405020304" pitchFamily="18" charset="0"/>
-              <a:ea typeface="Source Code Pro"/>
-              <a:cs typeface="Times New Roman" panose="02020603050405020304" pitchFamily="18" charset="0"/>
-              <a:sym typeface="Source Code Pro"/>
-            </a:endParaRPr>
+          </a:p>
+        </p:txBody>
+      </p:sp>
+      <p:sp>
+        <p:nvSpPr>
+          <p:cNvPr id="3" name="Номер слайда 2"/>
+          <p:cNvSpPr>
+            <a:spLocks noGrp="1"/>
+          </p:cNvSpPr>
+          <p:nvPr>
+            <p:ph type="sldNum" sz="quarter" idx="12"/>
+          </p:nvPr>
+        </p:nvSpPr>
+        <p:spPr/>
+        <p:txBody>
+          <a:bodyPr/>
+          <a:lstStyle/>
+          <a:p>
+            <a:fld id="{B19B0651-EE4F-4900-A07F-96A6BFA9D0F0}" type="slidenum">
+              <a:rPr lang="ru-RU" smtClean="0"/>
+              <a:t>12</a:t>
+            </a:fld>
+            <a:endParaRPr lang="ru-RU"/>
           </a:p>
         </p:txBody>
       </p:sp>
@@ -4280,6 +4367,29 @@
           </a:p>
         </p:txBody>
       </p:sp>
+      <p:sp>
+        <p:nvSpPr>
+          <p:cNvPr id="2" name="Номер слайда 1"/>
+          <p:cNvSpPr>
+            <a:spLocks noGrp="1"/>
+          </p:cNvSpPr>
+          <p:nvPr>
+            <p:ph type="sldNum" sz="quarter" idx="12"/>
+          </p:nvPr>
+        </p:nvSpPr>
+        <p:spPr/>
+        <p:txBody>
+          <a:bodyPr/>
+          <a:lstStyle/>
+          <a:p>
+            <a:fld id="{B19B0651-EE4F-4900-A07F-96A6BFA9D0F0}" type="slidenum">
+              <a:rPr lang="ru-RU" smtClean="0"/>
+              <a:t>13</a:t>
+            </a:fld>
+            <a:endParaRPr lang="ru-RU"/>
+          </a:p>
+        </p:txBody>
+      </p:sp>
     </p:spTree>
     <p:extLst>
       <p:ext uri="{BB962C8B-B14F-4D97-AF65-F5344CB8AC3E}">
@@ -4318,8 +4428,8 @@
         </p:nvSpPr>
         <p:spPr>
           <a:xfrm>
-            <a:off x="783771" y="815148"/>
-            <a:ext cx="10755086" cy="4939814"/>
+            <a:off x="827314" y="1694714"/>
+            <a:ext cx="10755086" cy="3370153"/>
           </a:xfrm>
           <a:prstGeom prst="rect">
             <a:avLst/>
@@ -4330,100 +4440,6 @@
             <a:spAutoFit/>
           </a:bodyPr>
           <a:lstStyle/>
-          <a:p>
-            <a:pPr indent="450215" algn="just">
-              <a:lnSpc>
-                <a:spcPct val="150000"/>
-              </a:lnSpc>
-              <a:spcAft>
-                <a:spcPts val="0"/>
-              </a:spcAft>
-            </a:pPr>
-            <a:r>
-              <a:rPr lang="ru-RU" b="1" dirty="0">
-                <a:solidFill>
-                  <a:srgbClr val="000000"/>
-                </a:solidFill>
-                <a:latin typeface="Times New Roman" panose="02020603050405020304" pitchFamily="18" charset="0"/>
-                <a:ea typeface="Times New Roman" panose="02020603050405020304" pitchFamily="18" charset="0"/>
-              </a:rPr>
-              <a:t>Объект</a:t>
-            </a:r>
-            <a:r>
-              <a:rPr lang="ru-RU" dirty="0">
-                <a:solidFill>
-                  <a:srgbClr val="000000"/>
-                </a:solidFill>
-                <a:latin typeface="Times New Roman" panose="02020603050405020304" pitchFamily="18" charset="0"/>
-                <a:ea typeface="Times New Roman" panose="02020603050405020304" pitchFamily="18" charset="0"/>
-              </a:rPr>
-              <a:t>: база данных и веб-приложение для автоматизации работы веб-студии</a:t>
-            </a:r>
-            <a:r>
-              <a:rPr lang="ru-RU" dirty="0" smtClean="0">
-                <a:solidFill>
-                  <a:srgbClr val="000000"/>
-                </a:solidFill>
-                <a:latin typeface="Times New Roman" panose="02020603050405020304" pitchFamily="18" charset="0"/>
-                <a:ea typeface="Times New Roman" panose="02020603050405020304" pitchFamily="18" charset="0"/>
-              </a:rPr>
-              <a:t>.</a:t>
-            </a:r>
-          </a:p>
-          <a:p>
-            <a:pPr indent="450215" algn="just">
-              <a:lnSpc>
-                <a:spcPct val="150000"/>
-              </a:lnSpc>
-              <a:spcAft>
-                <a:spcPts val="0"/>
-              </a:spcAft>
-            </a:pPr>
-            <a:endParaRPr lang="ru-RU" sz="1400" dirty="0">
-              <a:latin typeface="Calibri" panose="020F0502020204030204" pitchFamily="34" charset="0"/>
-              <a:ea typeface="Times New Roman" panose="02020603050405020304" pitchFamily="18" charset="0"/>
-            </a:endParaRPr>
-          </a:p>
-          <a:p>
-            <a:pPr indent="450215" algn="just">
-              <a:lnSpc>
-                <a:spcPct val="150000"/>
-              </a:lnSpc>
-              <a:spcAft>
-                <a:spcPts val="0"/>
-              </a:spcAft>
-            </a:pPr>
-            <a:r>
-              <a:rPr lang="ru-RU" b="1" dirty="0">
-                <a:solidFill>
-                  <a:srgbClr val="000000"/>
-                </a:solidFill>
-                <a:latin typeface="Times New Roman" panose="02020603050405020304" pitchFamily="18" charset="0"/>
-                <a:ea typeface="Times New Roman" panose="02020603050405020304" pitchFamily="18" charset="0"/>
-              </a:rPr>
-              <a:t>Предмет</a:t>
-            </a:r>
-            <a:r>
-              <a:rPr lang="ru-RU" dirty="0">
-                <a:solidFill>
-                  <a:srgbClr val="000000"/>
-                </a:solidFill>
-                <a:latin typeface="Times New Roman" panose="02020603050405020304" pitchFamily="18" charset="0"/>
-                <a:ea typeface="Times New Roman" panose="02020603050405020304" pitchFamily="18" charset="0"/>
-              </a:rPr>
-              <a:t>: процесс разработки информационной системы по управлению проектами для веб-студии ИП Саленков В.В</a:t>
-            </a:r>
-            <a:r>
-              <a:rPr lang="ru-RU" dirty="0" smtClean="0">
-                <a:solidFill>
-                  <a:srgbClr val="000000"/>
-                </a:solidFill>
-                <a:latin typeface="Times New Roman" panose="02020603050405020304" pitchFamily="18" charset="0"/>
-                <a:ea typeface="Times New Roman" panose="02020603050405020304" pitchFamily="18" charset="0"/>
-              </a:rPr>
-              <a:t>.</a:t>
-            </a:r>
-          </a:p>
           <a:p>
             <a:pPr indent="450215" algn="just">
               <a:lnSpc>
@@ -4567,6 +4583,66 @@
               <a:effectLst/>
               <a:latin typeface="Calibri" panose="020F0502020204030204" pitchFamily="34" charset="0"/>
               <a:ea typeface="Times New Roman" panose="02020603050405020304" pitchFamily="18" charset="0"/>
+            </a:endParaRPr>
+          </a:p>
+        </p:txBody>
+      </p:sp>
+      <p:sp>
+        <p:nvSpPr>
+          <p:cNvPr id="2" name="Номер слайда 1"/>
+          <p:cNvSpPr>
+            <a:spLocks noGrp="1"/>
+          </p:cNvSpPr>
+          <p:nvPr>
+            <p:ph type="sldNum" sz="quarter" idx="12"/>
+          </p:nvPr>
+        </p:nvSpPr>
+        <p:spPr/>
+        <p:txBody>
+          <a:bodyPr/>
+          <a:lstStyle/>
+          <a:p>
+            <a:fld id="{B19B0651-EE4F-4900-A07F-96A6BFA9D0F0}" type="slidenum">
+              <a:rPr lang="ru-RU" smtClean="0"/>
+              <a:t>2</a:t>
+            </a:fld>
+            <a:endParaRPr lang="ru-RU"/>
+          </a:p>
+        </p:txBody>
+      </p:sp>
+      <p:sp>
+        <p:nvSpPr>
+          <p:cNvPr id="5" name="Заголовок 1"/>
+          <p:cNvSpPr>
+            <a:spLocks noGrp="1"/>
+          </p:cNvSpPr>
+          <p:nvPr>
+            <p:ph type="title"/>
+          </p:nvPr>
+        </p:nvSpPr>
+        <p:spPr>
+          <a:xfrm>
+            <a:off x="957942" y="274638"/>
+            <a:ext cx="10624457" cy="883602"/>
+          </a:xfrm>
+        </p:spPr>
+        <p:txBody>
+          <a:bodyPr>
+            <a:noAutofit/>
+          </a:bodyPr>
+          <a:lstStyle/>
+          <a:p>
+            <a:pPr lvl="0"/>
+            <a:r>
+              <a:rPr lang="ru-RU" sz="2900" b="1" dirty="0" smtClean="0">
+                <a:latin typeface="Times New Roman" panose="02020603050405020304" pitchFamily="18" charset="0"/>
+                <a:cs typeface="Times New Roman" panose="02020603050405020304" pitchFamily="18" charset="0"/>
+              </a:rPr>
+              <a:t>Цель и задачи</a:t>
+            </a:r>
+            <a:endParaRPr lang="ru-RU" sz="2900" b="1" dirty="0">
+              <a:latin typeface="Times New Roman" panose="02020603050405020304" pitchFamily="18" charset="0"/>
+              <a:cs typeface="Times New Roman" panose="02020603050405020304" pitchFamily="18" charset="0"/>
             </a:endParaRPr>
           </a:p>
         </p:txBody>
@@ -4636,21 +4712,7 @@
                 <a:latin typeface="Times New Roman" panose="02020603050405020304" pitchFamily="18" charset="0"/>
                 <a:cs typeface="Times New Roman" panose="02020603050405020304" pitchFamily="18" charset="0"/>
               </a:rPr>
-              <a:t>Организационна</a:t>
-            </a:r>
-            <a:r>
-              <a:rPr lang="ru-RU" sz="2900" b="1" dirty="0" smtClean="0">
-                <a:latin typeface="Times New Roman" panose="02020603050405020304" pitchFamily="18" charset="0"/>
-                <a:cs typeface="Times New Roman" panose="02020603050405020304" pitchFamily="18" charset="0"/>
-              </a:rPr>
-              <a:t>я </a:t>
-            </a:r>
-            <a:r>
-              <a:rPr lang="ru-RU" sz="2900" b="1" dirty="0" smtClean="0">
-                <a:latin typeface="Times New Roman" panose="02020603050405020304" pitchFamily="18" charset="0"/>
-                <a:cs typeface="Times New Roman" panose="02020603050405020304" pitchFamily="18" charset="0"/>
-              </a:rPr>
-              <a:t>структура </a:t>
+              <a:t>Организационная структура </a:t>
             </a:r>
             <a:r>
               <a:rPr lang="ru-RU" sz="2900" b="1" dirty="0">
@@ -4695,6 +4757,29 @@
           </a:ln>
         </p:spPr>
       </p:pic>
+      <p:sp>
+        <p:nvSpPr>
+          <p:cNvPr id="3" name="Номер слайда 2"/>
+          <p:cNvSpPr>
+            <a:spLocks noGrp="1"/>
+          </p:cNvSpPr>
+          <p:nvPr>
+            <p:ph type="sldNum" sz="quarter" idx="12"/>
+          </p:nvPr>
+        </p:nvSpPr>
+        <p:spPr/>
+        <p:txBody>
+          <a:bodyPr/>
+          <a:lstStyle/>
+          <a:p>
+            <a:fld id="{B19B0651-EE4F-4900-A07F-96A6BFA9D0F0}" type="slidenum">
+              <a:rPr lang="ru-RU" smtClean="0"/>
+              <a:t>3</a:t>
+            </a:fld>
+            <a:endParaRPr lang="ru-RU"/>
+          </a:p>
+        </p:txBody>
+      </p:sp>
     </p:spTree>
     <p:extLst>
       <p:ext uri="{BB962C8B-B14F-4D97-AF65-F5344CB8AC3E}">
@@ -4776,9 +4861,32 @@
           </a:p>
         </p:txBody>
       </p:sp>
+      <p:sp>
+        <p:nvSpPr>
+          <p:cNvPr id="3" name="Номер слайда 2"/>
+          <p:cNvSpPr>
+            <a:spLocks noGrp="1"/>
+          </p:cNvSpPr>
+          <p:nvPr>
+            <p:ph type="sldNum" sz="quarter" idx="12"/>
+          </p:nvPr>
+        </p:nvSpPr>
+        <p:spPr/>
+        <p:txBody>
+          <a:bodyPr/>
+          <a:lstStyle/>
+          <a:p>
+            <a:fld id="{B19B0651-EE4F-4900-A07F-96A6BFA9D0F0}" type="slidenum">
+              <a:rPr lang="ru-RU" smtClean="0"/>
+              <a:t>4</a:t>
+            </a:fld>
+            <a:endParaRPr lang="ru-RU"/>
+          </a:p>
+        </p:txBody>
+      </p:sp>
       <p:pic>
         <p:nvPicPr>
-          <p:cNvPr id="4" name="Рисунок 3"/>
+          <p:cNvPr id="5" name="Рисунок 4"/>
           <p:cNvPicPr/>
           <p:nvPr/>
         </p:nvPicPr>
@@ -4790,8 +4898,8 @@
         </p:blipFill>
         <p:spPr>
           <a:xfrm>
-            <a:off x="1161332" y="1158240"/>
-            <a:ext cx="10217675" cy="5521234"/>
+            <a:off x="1314994" y="1158240"/>
+            <a:ext cx="9678579" cy="5229927"/>
           </a:xfrm>
           <a:prstGeom prst="rect">
             <a:avLst/>
@@ -4878,9 +4986,32 @@
           </a:p>
         </p:txBody>
       </p:sp>
+      <p:sp>
+        <p:nvSpPr>
+          <p:cNvPr id="3" name="Номер слайда 2"/>
+          <p:cNvSpPr>
+            <a:spLocks noGrp="1"/>
+          </p:cNvSpPr>
+          <p:nvPr>
+            <p:ph type="sldNum" sz="quarter" idx="12"/>
+          </p:nvPr>
+        </p:nvSpPr>
+        <p:spPr/>
+        <p:txBody>
+          <a:bodyPr/>
+          <a:lstStyle/>
+          <a:p>
+            <a:fld id="{B19B0651-EE4F-4900-A07F-96A6BFA9D0F0}" type="slidenum">
+              <a:rPr lang="ru-RU" smtClean="0"/>
+              <a:t>5</a:t>
+            </a:fld>
+            <a:endParaRPr lang="ru-RU"/>
+          </a:p>
+        </p:txBody>
+      </p:sp>
       <p:pic>
         <p:nvPicPr>
-          <p:cNvPr id="5" name="Рисунок 4"/>
+          <p:cNvPr id="6" name="Рисунок 5"/>
           <p:cNvPicPr/>
           <p:nvPr/>
         </p:nvPicPr>
@@ -4892,8 +5023,8 @@
         </p:blipFill>
         <p:spPr>
           <a:xfrm>
-            <a:off x="1574572" y="1158240"/>
-            <a:ext cx="9391196" cy="5505318"/>
+            <a:off x="1528182" y="1330529"/>
+            <a:ext cx="8925461" cy="4853532"/>
           </a:xfrm>
           <a:prstGeom prst="rect">
             <a:avLst/>
@@ -5000,6 +5131,29 @@
           </a:ln>
         </p:spPr>
       </p:pic>
+      <p:sp>
+        <p:nvSpPr>
+          <p:cNvPr id="3" name="Номер слайда 2"/>
+          <p:cNvSpPr>
+            <a:spLocks noGrp="1"/>
+          </p:cNvSpPr>
+          <p:nvPr>
+            <p:ph type="sldNum" sz="quarter" idx="12"/>
+          </p:nvPr>
+        </p:nvSpPr>
+        <p:spPr/>
+        <p:txBody>
+          <a:bodyPr/>
+          <a:lstStyle/>
+          <a:p>
+            <a:fld id="{B19B0651-EE4F-4900-A07F-96A6BFA9D0F0}" type="slidenum">
+              <a:rPr lang="ru-RU" smtClean="0"/>
+              <a:t>6</a:t>
+            </a:fld>
+            <a:endParaRPr lang="ru-RU"/>
+          </a:p>
+        </p:txBody>
+      </p:sp>
     </p:spTree>
     <p:extLst>
       <p:ext uri="{BB962C8B-B14F-4D97-AF65-F5344CB8AC3E}">
@@ -5100,6 +5254,29 @@
           </a:ln>
         </p:spPr>
       </p:pic>
+      <p:sp>
+        <p:nvSpPr>
+          <p:cNvPr id="3" name="Номер слайда 2"/>
+          <p:cNvSpPr>
+            <a:spLocks noGrp="1"/>
+          </p:cNvSpPr>
+          <p:nvPr>
+            <p:ph type="sldNum" sz="quarter" idx="12"/>
+          </p:nvPr>
+        </p:nvSpPr>
+        <p:spPr/>
+        <p:txBody>
+          <a:bodyPr/>
+          <a:lstStyle/>
+          <a:p>
+            <a:fld id="{B19B0651-EE4F-4900-A07F-96A6BFA9D0F0}" type="slidenum">
+              <a:rPr lang="ru-RU" smtClean="0"/>
+              <a:t>7</a:t>
+            </a:fld>
+            <a:endParaRPr lang="ru-RU"/>
+          </a:p>
+        </p:txBody>
+      </p:sp>
     </p:spTree>
     <p:extLst>
       <p:ext uri="{BB962C8B-B14F-4D97-AF65-F5344CB8AC3E}">
@@ -5200,6 +5377,29 @@
           </a:ln>
         </p:spPr>
       </p:pic>
+      <p:sp>
+        <p:nvSpPr>
+          <p:cNvPr id="3" name="Номер слайда 2"/>
+          <p:cNvSpPr>
+            <a:spLocks noGrp="1"/>
+          </p:cNvSpPr>
+          <p:nvPr>
+            <p:ph type="sldNum" sz="quarter" idx="12"/>
+          </p:nvPr>
+        </p:nvSpPr>
+        <p:spPr/>
+        <p:txBody>
+          <a:bodyPr/>
+          <a:lstStyle/>
+          <a:p>
+            <a:fld id="{B19B0651-EE4F-4900-A07F-96A6BFA9D0F0}" type="slidenum">
+              <a:rPr lang="ru-RU" smtClean="0"/>
+              <a:t>8</a:t>
+            </a:fld>
+            <a:endParaRPr lang="ru-RU"/>
+          </a:p>
+        </p:txBody>
+      </p:sp>
     </p:spTree>
     <p:extLst>
       <p:ext uri="{BB962C8B-B14F-4D97-AF65-F5344CB8AC3E}">
@@ -5462,6 +5662,29 @@
           </a:ln>
         </p:spPr>
       </p:pic>
+      <p:sp>
+        <p:nvSpPr>
+          <p:cNvPr id="3" name="Номер слайда 2"/>
+          <p:cNvSpPr>
+            <a:spLocks noGrp="1"/>
+          </p:cNvSpPr>
+          <p:nvPr>
+            <p:ph type="sldNum" sz="quarter" idx="12"/>
+          </p:nvPr>
+        </p:nvSpPr>
+        <p:spPr/>
+        <p:txBody>
+          <a:bodyPr/>
+          <a:lstStyle/>
+          <a:p>
+            <a:fld id="{B19B0651-EE4F-4900-A07F-96A6BFA9D0F0}" type="slidenum">
+              <a:rPr lang="ru-RU" smtClean="0"/>
+              <a:t>9</a:t>
+            </a:fld>
+            <a:endParaRPr lang="ru-RU"/>
+          </a:p>
+        </p:txBody>
+      </p:sp>
     </p:spTree>
     <p:extLst>
       <p:ext uri="{BB962C8B-B14F-4D97-AF65-F5344CB8AC3E}">
